--- a/303-연산자와 제어문/303-1.연산자.pptx
+++ b/303-연산자와 제어문/303-1.연산자.pptx
@@ -239,7 +239,7 @@
           <a:p>
             <a:fld id="{A01C8AB9-613A-4E67-B475-2A76D157DBA6}" type="datetimeFigureOut">
               <a:rPr lang="ko-KR" altLang="en-US" smtClean="0"/>
-              <a:t>2023-05-20</a:t>
+              <a:t>2023-05-24</a:t>
             </a:fld>
             <a:endParaRPr lang="ko-KR" altLang="en-US"/>
           </a:p>
@@ -737,7 +737,7 @@
           <a:p>
             <a:fld id="{02439348-2433-45D9-A6AC-5D3253660107}" type="datetimeFigureOut">
               <a:rPr lang="ko-KR" altLang="en-US" smtClean="0"/>
-              <a:t>2023-05-20</a:t>
+              <a:t>2023-05-24</a:t>
             </a:fld>
             <a:endParaRPr lang="ko-KR" altLang="en-US"/>
           </a:p>
@@ -935,7 +935,7 @@
           <a:p>
             <a:fld id="{02439348-2433-45D9-A6AC-5D3253660107}" type="datetimeFigureOut">
               <a:rPr lang="ko-KR" altLang="en-US" smtClean="0"/>
-              <a:t>2023-05-20</a:t>
+              <a:t>2023-05-24</a:t>
             </a:fld>
             <a:endParaRPr lang="ko-KR" altLang="en-US"/>
           </a:p>
@@ -1143,7 +1143,7 @@
           <a:p>
             <a:fld id="{02439348-2433-45D9-A6AC-5D3253660107}" type="datetimeFigureOut">
               <a:rPr lang="ko-KR" altLang="en-US" smtClean="0"/>
-              <a:t>2023-05-20</a:t>
+              <a:t>2023-05-24</a:t>
             </a:fld>
             <a:endParaRPr lang="ko-KR" altLang="en-US"/>
           </a:p>
@@ -1341,7 +1341,7 @@
           <a:p>
             <a:fld id="{02439348-2433-45D9-A6AC-5D3253660107}" type="datetimeFigureOut">
               <a:rPr lang="ko-KR" altLang="en-US" smtClean="0"/>
-              <a:t>2023-05-20</a:t>
+              <a:t>2023-05-24</a:t>
             </a:fld>
             <a:endParaRPr lang="ko-KR" altLang="en-US"/>
           </a:p>
@@ -1616,7 +1616,7 @@
           <a:p>
             <a:fld id="{02439348-2433-45D9-A6AC-5D3253660107}" type="datetimeFigureOut">
               <a:rPr lang="ko-KR" altLang="en-US" smtClean="0"/>
-              <a:t>2023-05-20</a:t>
+              <a:t>2023-05-24</a:t>
             </a:fld>
             <a:endParaRPr lang="ko-KR" altLang="en-US"/>
           </a:p>
@@ -1881,7 +1881,7 @@
           <a:p>
             <a:fld id="{02439348-2433-45D9-A6AC-5D3253660107}" type="datetimeFigureOut">
               <a:rPr lang="ko-KR" altLang="en-US" smtClean="0"/>
-              <a:t>2023-05-20</a:t>
+              <a:t>2023-05-24</a:t>
             </a:fld>
             <a:endParaRPr lang="ko-KR" altLang="en-US"/>
           </a:p>
@@ -2293,7 +2293,7 @@
           <a:p>
             <a:fld id="{02439348-2433-45D9-A6AC-5D3253660107}" type="datetimeFigureOut">
               <a:rPr lang="ko-KR" altLang="en-US" smtClean="0"/>
-              <a:t>2023-05-20</a:t>
+              <a:t>2023-05-24</a:t>
             </a:fld>
             <a:endParaRPr lang="ko-KR" altLang="en-US"/>
           </a:p>
@@ -2434,7 +2434,7 @@
           <a:p>
             <a:fld id="{02439348-2433-45D9-A6AC-5D3253660107}" type="datetimeFigureOut">
               <a:rPr lang="ko-KR" altLang="en-US" smtClean="0"/>
-              <a:t>2023-05-20</a:t>
+              <a:t>2023-05-24</a:t>
             </a:fld>
             <a:endParaRPr lang="ko-KR" altLang="en-US"/>
           </a:p>
@@ -2547,7 +2547,7 @@
           <a:p>
             <a:fld id="{02439348-2433-45D9-A6AC-5D3253660107}" type="datetimeFigureOut">
               <a:rPr lang="ko-KR" altLang="en-US" smtClean="0"/>
-              <a:t>2023-05-20</a:t>
+              <a:t>2023-05-24</a:t>
             </a:fld>
             <a:endParaRPr lang="ko-KR" altLang="en-US"/>
           </a:p>
@@ -2858,7 +2858,7 @@
           <a:p>
             <a:fld id="{02439348-2433-45D9-A6AC-5D3253660107}" type="datetimeFigureOut">
               <a:rPr lang="ko-KR" altLang="en-US" smtClean="0"/>
-              <a:t>2023-05-20</a:t>
+              <a:t>2023-05-24</a:t>
             </a:fld>
             <a:endParaRPr lang="ko-KR" altLang="en-US"/>
           </a:p>
@@ -3146,7 +3146,7 @@
           <a:p>
             <a:fld id="{02439348-2433-45D9-A6AC-5D3253660107}" type="datetimeFigureOut">
               <a:rPr lang="ko-KR" altLang="en-US" smtClean="0"/>
-              <a:t>2023-05-20</a:t>
+              <a:t>2023-05-24</a:t>
             </a:fld>
             <a:endParaRPr lang="ko-KR" altLang="en-US"/>
           </a:p>
@@ -3387,7 +3387,7 @@
           <a:p>
             <a:fld id="{02439348-2433-45D9-A6AC-5D3253660107}" type="datetimeFigureOut">
               <a:rPr lang="ko-KR" altLang="en-US" smtClean="0"/>
-              <a:t>2023-05-20</a:t>
+              <a:t>2023-05-24</a:t>
             </a:fld>
             <a:endParaRPr lang="ko-KR" altLang="en-US"/>
           </a:p>
@@ -4141,8 +4141,8 @@
         </p:blipFill>
         <p:spPr>
           <a:xfrm>
-            <a:off x="1937792" y="2866716"/>
-            <a:ext cx="8316416" cy="1642405"/>
+            <a:off x="400586" y="1451573"/>
+            <a:ext cx="11390827" cy="2249569"/>
           </a:xfrm>
           <a:prstGeom prst="rect">
             <a:avLst/>
@@ -5252,8 +5252,8 @@
         </p:blipFill>
         <p:spPr>
           <a:xfrm>
-            <a:off x="3715049" y="1700809"/>
-            <a:ext cx="4761905" cy="4247619"/>
+            <a:off x="786792" y="1245318"/>
+            <a:ext cx="5608565" cy="5002840"/>
           </a:xfrm>
           <a:prstGeom prst="rect">
             <a:avLst/>
@@ -6933,7 +6933,7 @@
         </p:nvSpPr>
         <p:spPr>
           <a:xfrm>
-            <a:off x="807585" y="4689850"/>
+            <a:off x="929501" y="4392816"/>
             <a:ext cx="3248977" cy="793166"/>
           </a:xfrm>
           <a:prstGeom prst="rect">
@@ -7770,8 +7770,8 @@
         </p:blipFill>
         <p:spPr>
           <a:xfrm>
-            <a:off x="2296959" y="1628801"/>
-            <a:ext cx="7598082" cy="4499753"/>
+            <a:off x="620558" y="1351216"/>
+            <a:ext cx="8759715" cy="5187698"/>
           </a:xfrm>
           <a:prstGeom prst="rect">
             <a:avLst/>
@@ -8087,15 +8087,15 @@
           </a:lstStyle>
           <a:p>
             <a:r>
-              <a:rPr lang="ko-KR" altLang="en-US"/>
+              <a:rPr lang="ko-KR" altLang="en-US" dirty="0"/>
               <a:t>변수에 적용할 수 있는 연산자</a:t>
             </a:r>
-            <a:endParaRPr lang="en-US" altLang="ko-KR"/>
+            <a:endParaRPr lang="en-US" altLang="ko-KR" dirty="0"/>
           </a:p>
           <a:p>
             <a:pPr lvl="1"/>
             <a:r>
-              <a:rPr lang="ko-KR" altLang="en-US" sz="1600">
+              <a:rPr lang="ko-KR" altLang="en-US" sz="1600" dirty="0">
                 <a:solidFill>
                   <a:srgbClr val="000000"/>
                 </a:solidFill>
@@ -8103,7 +8103,7 @@
               </a:rPr>
               <a:t>복합 대입 연산자</a:t>
             </a:r>
-            <a:endParaRPr lang="en-US" altLang="ko-KR" sz="1600">
+            <a:endParaRPr lang="en-US" altLang="ko-KR" sz="1600" dirty="0">
               <a:solidFill>
                 <a:srgbClr val="000000"/>
               </a:solidFill>
@@ -8112,7 +8112,7 @@
           </a:p>
           <a:p>
             <a:pPr lvl="1"/>
-            <a:endParaRPr lang="en-US" altLang="ko-KR" sz="1600">
+            <a:endParaRPr lang="en-US" altLang="ko-KR" sz="1600" dirty="0">
               <a:solidFill>
                 <a:srgbClr val="000000"/>
               </a:solidFill>
@@ -8121,7 +8121,7 @@
           </a:p>
           <a:p>
             <a:pPr lvl="1"/>
-            <a:endParaRPr lang="en-US" altLang="ko-KR" sz="1600">
+            <a:endParaRPr lang="en-US" altLang="ko-KR" sz="1600" dirty="0">
               <a:solidFill>
                 <a:srgbClr val="000000"/>
               </a:solidFill>
@@ -8130,7 +8130,7 @@
           </a:p>
           <a:p>
             <a:pPr lvl="1"/>
-            <a:endParaRPr lang="en-US" altLang="ko-KR" sz="1600">
+            <a:endParaRPr lang="en-US" altLang="ko-KR" sz="1600" dirty="0">
               <a:solidFill>
                 <a:srgbClr val="000000"/>
               </a:solidFill>
@@ -8139,7 +8139,7 @@
           </a:p>
           <a:p>
             <a:pPr lvl="1"/>
-            <a:endParaRPr lang="en-US" altLang="ko-KR" sz="1600">
+            <a:endParaRPr lang="en-US" altLang="ko-KR" sz="1600" dirty="0">
               <a:solidFill>
                 <a:srgbClr val="000000"/>
               </a:solidFill>
@@ -8148,7 +8148,7 @@
           </a:p>
           <a:p>
             <a:pPr lvl="1"/>
-            <a:endParaRPr lang="en-US" altLang="ko-KR" sz="1600">
+            <a:endParaRPr lang="en-US" altLang="ko-KR" sz="1600" dirty="0">
               <a:solidFill>
                 <a:srgbClr val="000000"/>
               </a:solidFill>
@@ -8157,7 +8157,7 @@
           </a:p>
           <a:p>
             <a:pPr lvl="1"/>
-            <a:endParaRPr lang="en-US" altLang="ko-KR" sz="1600">
+            <a:endParaRPr lang="en-US" altLang="ko-KR" sz="1600" dirty="0">
               <a:solidFill>
                 <a:srgbClr val="000000"/>
               </a:solidFill>
@@ -8167,7 +8167,7 @@
           <a:p>
             <a:pPr lvl="1"/>
             <a:r>
-              <a:rPr lang="ko-KR" altLang="en-US" sz="1600">
+              <a:rPr lang="ko-KR" altLang="en-US" sz="1600" dirty="0">
                 <a:solidFill>
                   <a:srgbClr val="000000"/>
                 </a:solidFill>
@@ -8175,7 +8175,7 @@
               </a:rPr>
               <a:t>사용 예시</a:t>
             </a:r>
-            <a:endParaRPr lang="en-US" altLang="ko-KR" sz="1600">
+            <a:endParaRPr lang="en-US" altLang="ko-KR" sz="1600" dirty="0">
               <a:solidFill>
                 <a:srgbClr val="000000"/>
               </a:solidFill>
@@ -8184,7 +8184,7 @@
           </a:p>
           <a:p>
             <a:pPr lvl="1"/>
-            <a:endParaRPr lang="en-US" altLang="ko-KR" sz="1600">
+            <a:endParaRPr lang="en-US" altLang="ko-KR" sz="1600" dirty="0">
               <a:solidFill>
                 <a:srgbClr val="000000"/>
               </a:solidFill>
@@ -8193,7 +8193,7 @@
           </a:p>
           <a:p>
             <a:pPr lvl="1"/>
-            <a:endParaRPr lang="en-US" altLang="ko-KR" sz="1600">
+            <a:endParaRPr lang="en-US" altLang="ko-KR" sz="1600" dirty="0">
               <a:solidFill>
                 <a:srgbClr val="000000"/>
               </a:solidFill>
@@ -8202,7 +8202,7 @@
           </a:p>
           <a:p>
             <a:pPr lvl="1"/>
-            <a:endParaRPr lang="en-US" altLang="ko-KR" sz="1600">
+            <a:endParaRPr lang="en-US" altLang="ko-KR" sz="1600" dirty="0">
               <a:solidFill>
                 <a:srgbClr val="000000"/>
               </a:solidFill>
@@ -8211,7 +8211,7 @@
           </a:p>
           <a:p>
             <a:pPr lvl="1"/>
-            <a:endParaRPr lang="en-US" altLang="ko-KR" sz="1600">
+            <a:endParaRPr lang="en-US" altLang="ko-KR" sz="1600" dirty="0">
               <a:solidFill>
                 <a:srgbClr val="000000"/>
               </a:solidFill>
@@ -8220,7 +8220,7 @@
           </a:p>
           <a:p>
             <a:pPr lvl="1"/>
-            <a:endParaRPr lang="en-US" altLang="ko-KR" sz="1600">
+            <a:endParaRPr lang="en-US" altLang="ko-KR" sz="1600" dirty="0">
               <a:solidFill>
                 <a:srgbClr val="000000"/>
               </a:solidFill>
@@ -8229,64 +8229,100 @@
           </a:p>
           <a:p>
             <a:pPr lvl="1"/>
-            <a:r>
-              <a:rPr lang="ko-KR" altLang="en-US" sz="1600">
-                <a:solidFill>
-                  <a:srgbClr val="000000"/>
-                </a:solidFill>
-                <a:latin typeface="+mn-ea"/>
-              </a:rPr>
-              <a:t>복합 대입 연산자 활용 연습 </a:t>
-            </a:r>
-            <a:r>
-              <a:rPr lang="en-US" altLang="ko-KR" sz="1600">
-                <a:solidFill>
-                  <a:srgbClr val="000000"/>
-                </a:solidFill>
-                <a:latin typeface="+mn-ea"/>
-              </a:rPr>
-              <a:t>(</a:t>
-            </a:r>
-            <a:r>
-              <a:rPr lang="ko-KR" altLang="en-US" sz="1600">
-                <a:solidFill>
-                  <a:srgbClr val="000000"/>
-                </a:solidFill>
-                <a:latin typeface="+mn-ea"/>
-              </a:rPr>
-              <a:t>소스 코드 </a:t>
-            </a:r>
-            <a:r>
-              <a:rPr lang="en-US" altLang="ko-KR" sz="1600">
-                <a:solidFill>
-                  <a:srgbClr val="000000"/>
-                </a:solidFill>
-                <a:latin typeface="+mn-ea"/>
-              </a:rPr>
-              <a:t>2-2-1.html)</a:t>
-            </a:r>
-          </a:p>
-          <a:p>
-            <a:pPr lvl="2"/>
-            <a:endParaRPr lang="en-US" altLang="ko-KR" sz="1400">
+            <a:endParaRPr lang="en-US" altLang="ko-KR" sz="1600" dirty="0">
+              <a:solidFill>
+                <a:srgbClr val="000000"/>
+              </a:solidFill>
               <a:latin typeface="+mn-ea"/>
             </a:endParaRPr>
           </a:p>
           <a:p>
-            <a:pPr lvl="2"/>
-            <a:endParaRPr lang="en-US" altLang="ko-KR" sz="1400">
+            <a:pPr lvl="1"/>
+            <a:endParaRPr lang="en-US" altLang="ko-KR" sz="1600" dirty="0">
+              <a:solidFill>
+                <a:srgbClr val="000000"/>
+              </a:solidFill>
               <a:latin typeface="+mn-ea"/>
             </a:endParaRPr>
           </a:p>
           <a:p>
-            <a:pPr lvl="2"/>
-            <a:endParaRPr lang="en-US" altLang="ko-KR" sz="1400">
+            <a:pPr lvl="1"/>
+            <a:endParaRPr lang="en-US" altLang="ko-KR" sz="1600" dirty="0">
+              <a:solidFill>
+                <a:srgbClr val="000000"/>
+              </a:solidFill>
               <a:latin typeface="+mn-ea"/>
             </a:endParaRPr>
           </a:p>
           <a:p>
+            <a:pPr lvl="1"/>
+            <a:endParaRPr lang="en-US" altLang="ko-KR" sz="1600" dirty="0">
+              <a:solidFill>
+                <a:srgbClr val="000000"/>
+              </a:solidFill>
+              <a:latin typeface="+mn-ea"/>
+            </a:endParaRPr>
+          </a:p>
+          <a:p>
+            <a:pPr lvl="1"/>
+            <a:r>
+              <a:rPr lang="ko-KR" altLang="en-US" sz="1600" dirty="0">
+                <a:solidFill>
+                  <a:srgbClr val="000000"/>
+                </a:solidFill>
+                <a:latin typeface="+mn-ea"/>
+              </a:rPr>
+              <a:t>복합 대입 연산자 활용 연습 </a:t>
+            </a:r>
+            <a:r>
+              <a:rPr lang="en-US" altLang="ko-KR" sz="1600" dirty="0">
+                <a:solidFill>
+                  <a:srgbClr val="000000"/>
+                </a:solidFill>
+                <a:latin typeface="+mn-ea"/>
+              </a:rPr>
+              <a:t>(</a:t>
+            </a:r>
+            <a:r>
+              <a:rPr lang="ko-KR" altLang="en-US" sz="1600" dirty="0">
+                <a:solidFill>
+                  <a:srgbClr val="000000"/>
+                </a:solidFill>
+                <a:latin typeface="+mn-ea"/>
+              </a:rPr>
+              <a:t>소스 코드 </a:t>
+            </a:r>
+            <a:r>
+              <a:rPr lang="en-US" altLang="ko-KR" sz="1600" dirty="0">
+                <a:solidFill>
+                  <a:srgbClr val="000000"/>
+                </a:solidFill>
+                <a:latin typeface="+mn-ea"/>
+              </a:rPr>
+              <a:t>2-2-1.html)</a:t>
+            </a:r>
+          </a:p>
+          <a:p>
             <a:pPr lvl="2"/>
-            <a:endParaRPr lang="en-US" altLang="ko-KR" sz="1400">
+            <a:endParaRPr lang="en-US" altLang="ko-KR" sz="1400" dirty="0">
+              <a:latin typeface="+mn-ea"/>
+            </a:endParaRPr>
+          </a:p>
+          <a:p>
+            <a:pPr lvl="2"/>
+            <a:endParaRPr lang="en-US" altLang="ko-KR" sz="1400" dirty="0">
+              <a:latin typeface="+mn-ea"/>
+            </a:endParaRPr>
+          </a:p>
+          <a:p>
+            <a:pPr lvl="2"/>
+            <a:endParaRPr lang="en-US" altLang="ko-KR" sz="1400" dirty="0">
+              <a:latin typeface="+mn-ea"/>
+            </a:endParaRPr>
+          </a:p>
+          <a:p>
+            <a:pPr lvl="2"/>
+            <a:endParaRPr lang="en-US" altLang="ko-KR" sz="1400" dirty="0">
               <a:latin typeface="+mn-ea"/>
             </a:endParaRPr>
           </a:p>
@@ -10840,15 +10876,15 @@
           </a:lstStyle>
           <a:p>
             <a:r>
-              <a:rPr lang="ko-KR" altLang="en-US"/>
+              <a:rPr lang="ko-KR" altLang="en-US" dirty="0"/>
               <a:t>변수에 적용할 수 있는 연산자</a:t>
             </a:r>
-            <a:endParaRPr lang="en-US" altLang="ko-KR"/>
+            <a:endParaRPr lang="en-US" altLang="ko-KR" dirty="0"/>
           </a:p>
           <a:p>
             <a:pPr lvl="1"/>
             <a:r>
-              <a:rPr lang="ko-KR" altLang="en-US" sz="1600">
+              <a:rPr lang="ko-KR" altLang="en-US" sz="1600" dirty="0">
                 <a:solidFill>
                   <a:srgbClr val="000000"/>
                 </a:solidFill>
@@ -10856,7 +10892,7 @@
               </a:rPr>
               <a:t>증감 연산자</a:t>
             </a:r>
-            <a:endParaRPr lang="en-US" altLang="ko-KR" sz="1600">
+            <a:endParaRPr lang="en-US" altLang="ko-KR" sz="1600" dirty="0">
               <a:solidFill>
                 <a:srgbClr val="000000"/>
               </a:solidFill>
@@ -10865,7 +10901,7 @@
           </a:p>
           <a:p>
             <a:pPr lvl="1"/>
-            <a:endParaRPr lang="en-US" altLang="ko-KR" sz="1600">
+            <a:endParaRPr lang="en-US" altLang="ko-KR" sz="1600" dirty="0">
               <a:solidFill>
                 <a:srgbClr val="000000"/>
               </a:solidFill>
@@ -10874,7 +10910,7 @@
           </a:p>
           <a:p>
             <a:pPr lvl="1"/>
-            <a:endParaRPr lang="en-US" altLang="ko-KR" sz="1600">
+            <a:endParaRPr lang="en-US" altLang="ko-KR" sz="1600" dirty="0">
               <a:solidFill>
                 <a:srgbClr val="000000"/>
               </a:solidFill>
@@ -10883,7 +10919,7 @@
           </a:p>
           <a:p>
             <a:pPr lvl="1"/>
-            <a:endParaRPr lang="en-US" altLang="ko-KR" sz="1600">
+            <a:endParaRPr lang="en-US" altLang="ko-KR" sz="1600" dirty="0">
               <a:solidFill>
                 <a:srgbClr val="000000"/>
               </a:solidFill>
@@ -10892,7 +10928,7 @@
           </a:p>
           <a:p>
             <a:pPr lvl="1"/>
-            <a:endParaRPr lang="en-US" altLang="ko-KR" sz="1600">
+            <a:endParaRPr lang="en-US" altLang="ko-KR" sz="1600" dirty="0">
               <a:solidFill>
                 <a:srgbClr val="000000"/>
               </a:solidFill>
@@ -10901,7 +10937,7 @@
           </a:p>
           <a:p>
             <a:pPr lvl="1"/>
-            <a:endParaRPr lang="en-US" altLang="ko-KR" sz="1600">
+            <a:endParaRPr lang="en-US" altLang="ko-KR" sz="1600" dirty="0">
               <a:solidFill>
                 <a:srgbClr val="000000"/>
               </a:solidFill>
@@ -10910,8 +10946,26 @@
           </a:p>
           <a:p>
             <a:pPr lvl="1"/>
-            <a:r>
-              <a:rPr lang="ko-KR" altLang="en-US" sz="1600">
+            <a:endParaRPr lang="en-US" altLang="ko-KR" sz="1600" dirty="0">
+              <a:solidFill>
+                <a:srgbClr val="000000"/>
+              </a:solidFill>
+              <a:latin typeface="+mn-ea"/>
+            </a:endParaRPr>
+          </a:p>
+          <a:p>
+            <a:pPr lvl="1"/>
+            <a:endParaRPr lang="en-US" altLang="ko-KR" sz="1600" dirty="0">
+              <a:solidFill>
+                <a:srgbClr val="000000"/>
+              </a:solidFill>
+              <a:latin typeface="+mn-ea"/>
+            </a:endParaRPr>
+          </a:p>
+          <a:p>
+            <a:pPr lvl="1"/>
+            <a:r>
+              <a:rPr lang="ko-KR" altLang="en-US" sz="1600" dirty="0">
                 <a:solidFill>
                   <a:srgbClr val="000000"/>
                 </a:solidFill>
@@ -10920,7 +10974,7 @@
               <a:t>증감 연산자 예</a:t>
             </a:r>
             <a:r>
-              <a:rPr lang="en-US" altLang="ko-KR" sz="1600">
+              <a:rPr lang="en-US" altLang="ko-KR" sz="1600" dirty="0">
                 <a:solidFill>
                   <a:srgbClr val="000000"/>
                 </a:solidFill>
@@ -10929,7 +10983,7 @@
               <a:t>(1) </a:t>
             </a:r>
             <a:r>
-              <a:rPr lang="ko-KR" altLang="en-US" sz="1600">
+              <a:rPr lang="ko-KR" altLang="en-US" sz="1600" dirty="0">
                 <a:solidFill>
                   <a:srgbClr val="000000"/>
                 </a:solidFill>
@@ -10938,7 +10992,7 @@
               <a:t>소스 코드 </a:t>
             </a:r>
             <a:r>
-              <a:rPr lang="en-US" altLang="ko-KR" sz="1600">
+              <a:rPr lang="en-US" altLang="ko-KR" sz="1600" dirty="0">
                 <a:solidFill>
                   <a:srgbClr val="000000"/>
                 </a:solidFill>
@@ -10946,7 +11000,7 @@
               </a:rPr>
               <a:t>2-2-2.html</a:t>
             </a:r>
-            <a:endParaRPr lang="en-US" altLang="ko-KR" sz="1400">
+            <a:endParaRPr lang="en-US" altLang="ko-KR" sz="1400" dirty="0">
               <a:latin typeface="+mn-ea"/>
             </a:endParaRPr>
           </a:p>
@@ -15644,38 +15698,6 @@
       </p:grpSpPr>
       <p:sp>
         <p:nvSpPr>
-          <p:cNvPr id="5" name="바닥글 개체 틀 4">
-            <a:extLst>
-              <a:ext uri="{FF2B5EF4-FFF2-40B4-BE49-F238E27FC236}">
-                <a16:creationId xmlns:a16="http://schemas.microsoft.com/office/drawing/2014/main" id="{521CC3B3-B1D2-D64F-BD06-599FE41C482E}"/>
-              </a:ext>
-            </a:extLst>
-          </p:cNvPr>
-          <p:cNvSpPr>
-            <a:spLocks noGrp="1"/>
-          </p:cNvSpPr>
-          <p:nvPr>
-            <p:ph type="ftr" sz="quarter" idx="11"/>
-          </p:nvPr>
-        </p:nvSpPr>
-        <p:spPr/>
-        <p:txBody>
-          <a:bodyPr/>
-          <a:lstStyle/>
-          <a:p>
-            <a:r>
-              <a:rPr kumimoji="1" lang="en-US" altLang="ko-KR"/>
-              <a:t>Do it! </a:t>
-            </a:r>
-            <a:r>
-              <a:rPr kumimoji="1" lang="ko-KR" altLang="en-US"/>
-              <a:t>자바스크립트 입문</a:t>
-            </a:r>
-          </a:p>
-        </p:txBody>
-      </p:sp>
-      <p:sp>
-        <p:nvSpPr>
           <p:cNvPr id="8" name="TextBox 7">
             <a:extLst>
               <a:ext uri="{FF2B5EF4-FFF2-40B4-BE49-F238E27FC236}">
@@ -15688,8 +15710,8 @@
         </p:nvSpPr>
         <p:spPr>
           <a:xfrm>
-            <a:off x="1060056" y="1690688"/>
-            <a:ext cx="8741664" cy="956159"/>
+            <a:off x="417799" y="1134802"/>
+            <a:ext cx="8741664" cy="494494"/>
           </a:xfrm>
           <a:prstGeom prst="rect">
             <a:avLst/>
@@ -15708,23 +15730,15 @@
               </a:lnSpc>
             </a:pPr>
             <a:r>
-              <a:rPr lang="ko-KR" altLang="en-US" sz="2000" b="1" dirty="0"/>
-              <a:t>비교 연산자</a:t>
-            </a:r>
-            <a:endParaRPr lang="en-US" altLang="ko-KR" sz="2000" b="1" dirty="0"/>
-          </a:p>
-          <a:p>
-            <a:pPr>
-              <a:lnSpc>
-                <a:spcPct val="150000"/>
-              </a:lnSpc>
-            </a:pPr>
-            <a:r>
               <a:rPr lang="ko-KR" altLang="en-US" sz="2000" dirty="0"/>
               <a:t>두 값을 비교하여 </a:t>
             </a:r>
             <a:r>
-              <a:rPr lang="en-US" altLang="ko-KR" sz="2000" dirty="0"/>
+              <a:rPr lang="en-US" altLang="ko-KR" sz="2000" dirty="0">
+                <a:solidFill>
+                  <a:srgbClr val="FF0000"/>
+                </a:solidFill>
+              </a:rPr>
               <a:t>true</a:t>
             </a:r>
             <a:r>
@@ -15732,7 +15746,11 @@
               <a:t>나 </a:t>
             </a:r>
             <a:r>
-              <a:rPr lang="en-US" altLang="ko-KR" sz="2000" dirty="0"/>
+              <a:rPr lang="en-US" altLang="ko-KR" sz="2000" dirty="0">
+                <a:solidFill>
+                  <a:srgbClr val="FF0000"/>
+                </a:solidFill>
+              </a:rPr>
               <a:t>false</a:t>
             </a:r>
             <a:r>
@@ -16144,7 +16162,7 @@
         <p:spPr>
           <a:xfrm>
             <a:off x="306647" y="319086"/>
-            <a:ext cx="2431109" cy="707886"/>
+            <a:ext cx="3568667" cy="707886"/>
           </a:xfrm>
           <a:prstGeom prst="rect">
             <a:avLst/>
@@ -16163,7 +16181,7 @@
                 <a:ea typeface="KoPubWorld돋움체 Bold" panose="00000800000000000000" pitchFamily="2" charset="-127"/>
                 <a:cs typeface="KoPubWorld돋움체 Bold" panose="00000800000000000000" pitchFamily="2" charset="-127"/>
               </a:rPr>
-              <a:t>연산자</a:t>
+              <a:t>비교 연산자</a:t>
             </a:r>
           </a:p>
         </p:txBody>
@@ -16212,7 +16230,7 @@
         </p:nvSpPr>
         <p:spPr>
           <a:xfrm>
-            <a:off x="866243" y="1506022"/>
+            <a:off x="579948" y="1408050"/>
             <a:ext cx="5064294" cy="783356"/>
           </a:xfrm>
           <a:prstGeom prst="rect">
@@ -16232,8 +16250,16 @@
               </a:lnSpc>
             </a:pPr>
             <a:r>
+              <a:rPr lang="en-US" altLang="ko-KR" sz="1600" b="1" dirty="0">
+                <a:solidFill>
+                  <a:srgbClr val="FF0000"/>
+                </a:solidFill>
+              </a:rPr>
+              <a:t>==</a:t>
+            </a:r>
+            <a:r>
               <a:rPr lang="en-US" altLang="ko-KR" sz="1600" b="1" dirty="0"/>
-              <a:t>== </a:t>
+              <a:t> </a:t>
             </a:r>
             <a:r>
               <a:rPr lang="ko-KR" altLang="en-US" sz="1600" b="1" dirty="0"/>
@@ -16284,7 +16310,7 @@
         </p:nvSpPr>
         <p:spPr>
           <a:xfrm>
-            <a:off x="866243" y="3705712"/>
+            <a:off x="6278619" y="1408050"/>
             <a:ext cx="5064294" cy="783356"/>
           </a:xfrm>
           <a:prstGeom prst="rect">
@@ -16304,8 +16330,16 @@
               </a:lnSpc>
             </a:pPr>
             <a:r>
+              <a:rPr lang="en-US" altLang="ko-KR" sz="1600" b="1" dirty="0">
+                <a:solidFill>
+                  <a:srgbClr val="FF0000"/>
+                </a:solidFill>
+              </a:rPr>
+              <a:t>===</a:t>
+            </a:r>
+            <a:r>
               <a:rPr lang="en-US" altLang="ko-KR" sz="1600" b="1" dirty="0"/>
-              <a:t>=== </a:t>
+              <a:t> </a:t>
             </a:r>
             <a:r>
               <a:rPr lang="ko-KR" altLang="en-US" sz="1600" b="1" dirty="0"/>
@@ -16364,7 +16398,7 @@
         </p:blipFill>
         <p:spPr>
           <a:xfrm>
-            <a:off x="1030672" y="2411156"/>
+            <a:off x="744377" y="2313184"/>
             <a:ext cx="2708587" cy="878126"/>
           </a:xfrm>
           <a:prstGeom prst="rect">
@@ -16394,7 +16428,7 @@
         </p:blipFill>
         <p:spPr>
           <a:xfrm>
-            <a:off x="927203" y="4705616"/>
+            <a:off x="6339579" y="2407954"/>
             <a:ext cx="2707553" cy="878125"/>
           </a:xfrm>
           <a:prstGeom prst="rect">
@@ -18066,8 +18100,8 @@
         </p:blipFill>
         <p:spPr>
           <a:xfrm>
-            <a:off x="1973796" y="2044678"/>
-            <a:ext cx="8244408" cy="3616570"/>
+            <a:off x="721937" y="1576591"/>
+            <a:ext cx="10827805" cy="4749827"/>
           </a:xfrm>
           <a:prstGeom prst="rect">
             <a:avLst/>
@@ -18576,8 +18610,8 @@
         </p:blipFill>
         <p:spPr>
           <a:xfrm>
-            <a:off x="2225824" y="2486000"/>
-            <a:ext cx="7740352" cy="2239145"/>
+            <a:off x="549424" y="1435529"/>
+            <a:ext cx="10879890" cy="3147357"/>
           </a:xfrm>
           <a:prstGeom prst="rect">
             <a:avLst/>
@@ -18667,8 +18701,8 @@
         </p:nvSpPr>
         <p:spPr>
           <a:xfrm>
-            <a:off x="710701" y="1471889"/>
-            <a:ext cx="9021127" cy="1295868"/>
+            <a:off x="433116" y="1281389"/>
+            <a:ext cx="9021127" cy="878126"/>
           </a:xfrm>
           <a:prstGeom prst="rect">
             <a:avLst/>
@@ -18751,20 +18785,6 @@
             <a:endParaRPr lang="en-US" altLang="ko-KR" dirty="0">
               <a:latin typeface="Typo_SSiMyungJo_120"/>
             </a:endParaRPr>
-          </a:p>
-          <a:p>
-            <a:pPr>
-              <a:lnSpc>
-                <a:spcPct val="150000"/>
-              </a:lnSpc>
-            </a:pPr>
-            <a:r>
-              <a:rPr lang="ko-KR" altLang="en-US" dirty="0">
-                <a:latin typeface="Typo_SSiMyungJo_120"/>
-              </a:rPr>
-              <a:t>조건문을 공부할 때 자세히 다룰 예정</a:t>
-            </a:r>
-            <a:endParaRPr lang="ko-KR" altLang="en-US" dirty="0"/>
           </a:p>
         </p:txBody>
       </p:sp>
@@ -18790,8 +18810,8 @@
         </p:blipFill>
         <p:spPr>
           <a:xfrm>
-            <a:off x="841329" y="2983090"/>
-            <a:ext cx="7696200" cy="2019300"/>
+            <a:off x="433116" y="2419350"/>
+            <a:ext cx="11150156" cy="2925536"/>
           </a:xfrm>
           <a:prstGeom prst="rect">
             <a:avLst/>
@@ -18913,8 +18933,8 @@
         </p:nvSpPr>
         <p:spPr>
           <a:xfrm>
-            <a:off x="1060056" y="1690688"/>
-            <a:ext cx="8741664" cy="1417824"/>
+            <a:off x="412356" y="1026972"/>
+            <a:ext cx="8741664" cy="956159"/>
           </a:xfrm>
           <a:prstGeom prst="rect">
             <a:avLst/>
@@ -18926,18 +18946,6 @@
             <a:spAutoFit/>
           </a:bodyPr>
           <a:lstStyle/>
-          <a:p>
-            <a:pPr>
-              <a:lnSpc>
-                <a:spcPct val="150000"/>
-              </a:lnSpc>
-            </a:pPr>
-            <a:r>
-              <a:rPr lang="ko-KR" altLang="en-US" sz="2000" b="1" dirty="0"/>
-              <a:t>논리 연산자</a:t>
-            </a:r>
-            <a:endParaRPr lang="en-US" altLang="ko-KR" sz="2000" b="1" dirty="0"/>
-          </a:p>
           <a:p>
             <a:pPr>
               <a:lnSpc>
@@ -19399,7 +19407,7 @@
                 <a:ea typeface="KoPubWorld돋움체 Bold" panose="00000800000000000000" pitchFamily="2" charset="-127"/>
                 <a:cs typeface="KoPubWorld돋움체 Bold" panose="00000800000000000000" pitchFamily="2" charset="-127"/>
               </a:rPr>
-              <a:t>연산자</a:t>
+              <a:t>논리 연산자</a:t>
             </a:r>
           </a:p>
         </p:txBody>
@@ -19843,38 +19851,6 @@
           <a:chExt cx="0" cy="0"/>
         </a:xfrm>
       </p:grpSpPr>
-      <p:sp>
-        <p:nvSpPr>
-          <p:cNvPr id="5" name="바닥글 개체 틀 4">
-            <a:extLst>
-              <a:ext uri="{FF2B5EF4-FFF2-40B4-BE49-F238E27FC236}">
-                <a16:creationId xmlns:a16="http://schemas.microsoft.com/office/drawing/2014/main" id="{521CC3B3-B1D2-D64F-BD06-599FE41C482E}"/>
-              </a:ext>
-            </a:extLst>
-          </p:cNvPr>
-          <p:cNvSpPr>
-            <a:spLocks noGrp="1"/>
-          </p:cNvSpPr>
-          <p:nvPr>
-            <p:ph type="ftr" sz="quarter" idx="11"/>
-          </p:nvPr>
-        </p:nvSpPr>
-        <p:spPr/>
-        <p:txBody>
-          <a:bodyPr/>
-          <a:lstStyle/>
-          <a:p>
-            <a:r>
-              <a:rPr kumimoji="1" lang="en-US" altLang="ko-KR"/>
-              <a:t>Do it! </a:t>
-            </a:r>
-            <a:r>
-              <a:rPr kumimoji="1" lang="ko-KR" altLang="en-US"/>
-              <a:t>자바스크립트 입문</a:t>
-            </a:r>
-          </a:p>
-        </p:txBody>
-      </p:sp>
       <p:pic>
         <p:nvPicPr>
           <p:cNvPr id="3" name="그림 2">
@@ -20542,38 +20518,6 @@
           <a:chExt cx="0" cy="0"/>
         </a:xfrm>
       </p:grpSpPr>
-      <p:sp>
-        <p:nvSpPr>
-          <p:cNvPr id="4" name="바닥글 개체 틀 3">
-            <a:extLst>
-              <a:ext uri="{FF2B5EF4-FFF2-40B4-BE49-F238E27FC236}">
-                <a16:creationId xmlns:a16="http://schemas.microsoft.com/office/drawing/2014/main" id="{8CCAA785-FBD3-40EF-8510-2D61DD2575E8}"/>
-              </a:ext>
-            </a:extLst>
-          </p:cNvPr>
-          <p:cNvSpPr>
-            <a:spLocks noGrp="1"/>
-          </p:cNvSpPr>
-          <p:nvPr>
-            <p:ph type="ftr" sz="quarter" idx="11"/>
-          </p:nvPr>
-        </p:nvSpPr>
-        <p:spPr/>
-        <p:txBody>
-          <a:bodyPr/>
-          <a:lstStyle/>
-          <a:p>
-            <a:r>
-              <a:rPr lang="en-US" altLang="ko-KR"/>
-              <a:t>Do it! </a:t>
-            </a:r>
-            <a:r>
-              <a:rPr lang="ko-KR" altLang="en-US"/>
-              <a:t>자바스크립트 입문</a:t>
-            </a:r>
-          </a:p>
-        </p:txBody>
-      </p:sp>
       <p:pic>
         <p:nvPicPr>
           <p:cNvPr id="7" name="그림 6">
@@ -21174,7 +21118,7 @@
         </p:nvSpPr>
         <p:spPr>
           <a:xfrm>
-            <a:off x="812073" y="1647145"/>
+            <a:off x="360316" y="1326017"/>
             <a:ext cx="9299713" cy="2308324"/>
           </a:xfrm>
           <a:prstGeom prst="rect">
@@ -21358,38 +21302,6 @@
       </p:grpSpPr>
       <p:sp>
         <p:nvSpPr>
-          <p:cNvPr id="3" name="바닥글 개체 틀 2">
-            <a:extLst>
-              <a:ext uri="{FF2B5EF4-FFF2-40B4-BE49-F238E27FC236}">
-                <a16:creationId xmlns:a16="http://schemas.microsoft.com/office/drawing/2014/main" id="{1C7959D2-3B6A-9F42-B884-5026164D8194}"/>
-              </a:ext>
-            </a:extLst>
-          </p:cNvPr>
-          <p:cNvSpPr>
-            <a:spLocks noGrp="1"/>
-          </p:cNvSpPr>
-          <p:nvPr>
-            <p:ph type="ftr" sz="quarter" idx="11"/>
-          </p:nvPr>
-        </p:nvSpPr>
-        <p:spPr/>
-        <p:txBody>
-          <a:bodyPr/>
-          <a:lstStyle/>
-          <a:p>
-            <a:r>
-              <a:rPr kumimoji="1" lang="en-US" altLang="ko-KR"/>
-              <a:t>Do it! </a:t>
-            </a:r>
-            <a:r>
-              <a:rPr kumimoji="1" lang="ko-KR" altLang="en-US"/>
-              <a:t>자바스크립트 입문</a:t>
-            </a:r>
-          </a:p>
-        </p:txBody>
-      </p:sp>
-      <p:sp>
-        <p:nvSpPr>
           <p:cNvPr id="4" name="TextBox 3">
             <a:extLst>
               <a:ext uri="{FF2B5EF4-FFF2-40B4-BE49-F238E27FC236}">
@@ -21429,74 +21341,6 @@
               <a:t> 변수</a:t>
             </a:r>
             <a:endParaRPr kumimoji="1" lang="ko-KR" altLang="en-US" dirty="0"/>
-          </a:p>
-        </p:txBody>
-      </p:sp>
-      <p:sp>
-        <p:nvSpPr>
-          <p:cNvPr id="5" name="TextBox 4">
-            <a:extLst>
-              <a:ext uri="{FF2B5EF4-FFF2-40B4-BE49-F238E27FC236}">
-                <a16:creationId xmlns:a16="http://schemas.microsoft.com/office/drawing/2014/main" id="{1A80892C-26BD-1946-B27F-9233FEC76EA6}"/>
-              </a:ext>
-            </a:extLst>
-          </p:cNvPr>
-          <p:cNvSpPr txBox="1"/>
-          <p:nvPr/>
-        </p:nvSpPr>
-        <p:spPr>
-          <a:xfrm>
-            <a:off x="9174393" y="1494782"/>
-            <a:ext cx="2952689" cy="369332"/>
-          </a:xfrm>
-          <a:prstGeom prst="rect">
-            <a:avLst/>
-          </a:prstGeom>
-          <a:noFill/>
-        </p:spPr>
-        <p:txBody>
-          <a:bodyPr wrap="square" rtlCol="0">
-            <a:spAutoFit/>
-          </a:bodyPr>
-          <a:lstStyle/>
-          <a:p>
-            <a:r>
-              <a:rPr kumimoji="1" lang="ko-KR" altLang="en-US" b="1">
-                <a:solidFill>
-                  <a:srgbClr val="0070C0"/>
-                </a:solidFill>
-              </a:rPr>
-              <a:t>실습 파일 </a:t>
-            </a:r>
-            <a:r>
-              <a:rPr kumimoji="1" lang="en-US" altLang="ko-KR" b="1">
-                <a:solidFill>
-                  <a:srgbClr val="0070C0"/>
-                </a:solidFill>
-              </a:rPr>
-              <a:t>:</a:t>
-            </a:r>
-            <a:r>
-              <a:rPr kumimoji="1" lang="ko-KR" altLang="en-US" b="1">
-                <a:solidFill>
-                  <a:srgbClr val="0070C0"/>
-                </a:solidFill>
-              </a:rPr>
-              <a:t> </a:t>
-            </a:r>
-            <a:r>
-              <a:rPr kumimoji="1" lang="en-US" altLang="ko-KR" b="1">
-                <a:solidFill>
-                  <a:srgbClr val="0070C0"/>
-                </a:solidFill>
-              </a:rPr>
-              <a:t>03\age.html</a:t>
-            </a:r>
-            <a:endParaRPr kumimoji="1" lang="ko-KR" altLang="en-US" b="1">
-              <a:solidFill>
-                <a:srgbClr val="0070C0"/>
-              </a:solidFill>
-            </a:endParaRPr>
           </a:p>
         </p:txBody>
       </p:sp>
@@ -21801,6 +21645,43 @@
           </a:p>
         </p:txBody>
       </p:sp>
+      <p:sp>
+        <p:nvSpPr>
+          <p:cNvPr id="2" name="TextBox 1">
+            <a:extLst>
+              <a:ext uri="{FF2B5EF4-FFF2-40B4-BE49-F238E27FC236}">
+                <a16:creationId xmlns:a16="http://schemas.microsoft.com/office/drawing/2014/main" id="{7162098F-6AFC-417D-C4D7-E4016C650773}"/>
+              </a:ext>
+            </a:extLst>
+          </p:cNvPr>
+          <p:cNvSpPr txBox="1"/>
+          <p:nvPr/>
+        </p:nvSpPr>
+        <p:spPr>
+          <a:xfrm>
+            <a:off x="9664407" y="303697"/>
+            <a:ext cx="2220946" cy="369332"/>
+          </a:xfrm>
+          <a:prstGeom prst="rect">
+            <a:avLst/>
+          </a:prstGeom>
+          <a:noFill/>
+        </p:spPr>
+        <p:txBody>
+          <a:bodyPr wrap="square" rtlCol="0">
+            <a:spAutoFit/>
+          </a:bodyPr>
+          <a:lstStyle/>
+          <a:p>
+            <a:pPr algn="r"/>
+            <a:r>
+              <a:rPr lang="en-US" altLang="ko-KR" dirty="0"/>
+              <a:t>303-40.js</a:t>
+            </a:r>
+            <a:endParaRPr lang="ko-KR" altLang="en-US" dirty="0"/>
+          </a:p>
+        </p:txBody>
+      </p:sp>
     </p:spTree>
     <p:extLst>
       <p:ext uri="{BB962C8B-B14F-4D97-AF65-F5344CB8AC3E}">
@@ -21833,38 +21714,6 @@
       </p:grpSpPr>
       <p:sp>
         <p:nvSpPr>
-          <p:cNvPr id="3" name="바닥글 개체 틀 2">
-            <a:extLst>
-              <a:ext uri="{FF2B5EF4-FFF2-40B4-BE49-F238E27FC236}">
-                <a16:creationId xmlns:a16="http://schemas.microsoft.com/office/drawing/2014/main" id="{1C7959D2-3B6A-9F42-B884-5026164D8194}"/>
-              </a:ext>
-            </a:extLst>
-          </p:cNvPr>
-          <p:cNvSpPr>
-            <a:spLocks noGrp="1"/>
-          </p:cNvSpPr>
-          <p:nvPr>
-            <p:ph type="ftr" sz="quarter" idx="11"/>
-          </p:nvPr>
-        </p:nvSpPr>
-        <p:spPr/>
-        <p:txBody>
-          <a:bodyPr/>
-          <a:lstStyle/>
-          <a:p>
-            <a:r>
-              <a:rPr kumimoji="1" lang="en-US" altLang="ko-KR"/>
-              <a:t>Do it! </a:t>
-            </a:r>
-            <a:r>
-              <a:rPr kumimoji="1" lang="ko-KR" altLang="en-US"/>
-              <a:t>자바스크립트 입문</a:t>
-            </a:r>
-          </a:p>
-        </p:txBody>
-      </p:sp>
-      <p:sp>
-        <p:nvSpPr>
           <p:cNvPr id="4" name="TextBox 3">
             <a:extLst>
               <a:ext uri="{FF2B5EF4-FFF2-40B4-BE49-F238E27FC236}">
@@ -21904,74 +21753,6 @@
               <a:t> 변수</a:t>
             </a:r>
             <a:endParaRPr kumimoji="1" lang="ko-KR" altLang="en-US" dirty="0"/>
-          </a:p>
-        </p:txBody>
-      </p:sp>
-      <p:sp>
-        <p:nvSpPr>
-          <p:cNvPr id="5" name="TextBox 4">
-            <a:extLst>
-              <a:ext uri="{FF2B5EF4-FFF2-40B4-BE49-F238E27FC236}">
-                <a16:creationId xmlns:a16="http://schemas.microsoft.com/office/drawing/2014/main" id="{1A80892C-26BD-1946-B27F-9233FEC76EA6}"/>
-              </a:ext>
-            </a:extLst>
-          </p:cNvPr>
-          <p:cNvSpPr txBox="1"/>
-          <p:nvPr/>
-        </p:nvSpPr>
-        <p:spPr>
-          <a:xfrm>
-            <a:off x="9174393" y="1494782"/>
-            <a:ext cx="2952689" cy="369332"/>
-          </a:xfrm>
-          <a:prstGeom prst="rect">
-            <a:avLst/>
-          </a:prstGeom>
-          <a:noFill/>
-        </p:spPr>
-        <p:txBody>
-          <a:bodyPr wrap="square" rtlCol="0">
-            <a:spAutoFit/>
-          </a:bodyPr>
-          <a:lstStyle/>
-          <a:p>
-            <a:r>
-              <a:rPr kumimoji="1" lang="ko-KR" altLang="en-US" b="1">
-                <a:solidFill>
-                  <a:srgbClr val="0070C0"/>
-                </a:solidFill>
-              </a:rPr>
-              <a:t>실습 파일 </a:t>
-            </a:r>
-            <a:r>
-              <a:rPr kumimoji="1" lang="en-US" altLang="ko-KR" b="1">
-                <a:solidFill>
-                  <a:srgbClr val="0070C0"/>
-                </a:solidFill>
-              </a:rPr>
-              <a:t>:</a:t>
-            </a:r>
-            <a:r>
-              <a:rPr kumimoji="1" lang="ko-KR" altLang="en-US" b="1">
-                <a:solidFill>
-                  <a:srgbClr val="0070C0"/>
-                </a:solidFill>
-              </a:rPr>
-              <a:t> </a:t>
-            </a:r>
-            <a:r>
-              <a:rPr kumimoji="1" lang="en-US" altLang="ko-KR" b="1">
-                <a:solidFill>
-                  <a:srgbClr val="0070C0"/>
-                </a:solidFill>
-              </a:rPr>
-              <a:t>03\age.html</a:t>
-            </a:r>
-            <a:endParaRPr kumimoji="1" lang="ko-KR" altLang="en-US" b="1">
-              <a:solidFill>
-                <a:srgbClr val="0070C0"/>
-              </a:solidFill>
-            </a:endParaRPr>
           </a:p>
         </p:txBody>
       </p:sp>
@@ -22071,6 +21852,43 @@
               </a:rPr>
               <a:t>변수란 무엇일까</a:t>
             </a:r>
+          </a:p>
+        </p:txBody>
+      </p:sp>
+      <p:sp>
+        <p:nvSpPr>
+          <p:cNvPr id="2" name="TextBox 1">
+            <a:extLst>
+              <a:ext uri="{FF2B5EF4-FFF2-40B4-BE49-F238E27FC236}">
+                <a16:creationId xmlns:a16="http://schemas.microsoft.com/office/drawing/2014/main" id="{1D97E819-5431-F100-2960-0FBCCCC0D2B3}"/>
+              </a:ext>
+            </a:extLst>
+          </p:cNvPr>
+          <p:cNvSpPr txBox="1"/>
+          <p:nvPr/>
+        </p:nvSpPr>
+        <p:spPr>
+          <a:xfrm>
+            <a:off x="9664407" y="303697"/>
+            <a:ext cx="2220946" cy="369332"/>
+          </a:xfrm>
+          <a:prstGeom prst="rect">
+            <a:avLst/>
+          </a:prstGeom>
+          <a:noFill/>
+        </p:spPr>
+        <p:txBody>
+          <a:bodyPr wrap="square" rtlCol="0">
+            <a:spAutoFit/>
+          </a:bodyPr>
+          <a:lstStyle/>
+          <a:p>
+            <a:pPr algn="r"/>
+            <a:r>
+              <a:rPr lang="en-US" altLang="ko-KR" dirty="0"/>
+              <a:t>303-41.js</a:t>
+            </a:r>
+            <a:endParaRPr lang="ko-KR" altLang="en-US" dirty="0"/>
           </a:p>
         </p:txBody>
       </p:sp>
@@ -22688,38 +22506,6 @@
       </p:grpSpPr>
       <p:sp>
         <p:nvSpPr>
-          <p:cNvPr id="5" name="바닥글 개체 틀 4">
-            <a:extLst>
-              <a:ext uri="{FF2B5EF4-FFF2-40B4-BE49-F238E27FC236}">
-                <a16:creationId xmlns:a16="http://schemas.microsoft.com/office/drawing/2014/main" id="{521CC3B3-B1D2-D64F-BD06-599FE41C482E}"/>
-              </a:ext>
-            </a:extLst>
-          </p:cNvPr>
-          <p:cNvSpPr>
-            <a:spLocks noGrp="1"/>
-          </p:cNvSpPr>
-          <p:nvPr>
-            <p:ph type="ftr" sz="quarter" idx="11"/>
-          </p:nvPr>
-        </p:nvSpPr>
-        <p:spPr/>
-        <p:txBody>
-          <a:bodyPr/>
-          <a:lstStyle/>
-          <a:p>
-            <a:r>
-              <a:rPr kumimoji="1" lang="en-US" altLang="ko-KR"/>
-              <a:t>Do it! </a:t>
-            </a:r>
-            <a:r>
-              <a:rPr kumimoji="1" lang="ko-KR" altLang="en-US"/>
-              <a:t>자바스크립트 입문</a:t>
-            </a:r>
-          </a:p>
-        </p:txBody>
-      </p:sp>
-      <p:sp>
-        <p:nvSpPr>
           <p:cNvPr id="3" name="TextBox 2">
             <a:extLst>
               <a:ext uri="{FF2B5EF4-FFF2-40B4-BE49-F238E27FC236}">
@@ -22754,75 +22540,6 @@
           </a:p>
         </p:txBody>
       </p:sp>
-      <p:sp>
-        <p:nvSpPr>
-          <p:cNvPr id="6" name="TextBox 5">
-            <a:extLst>
-              <a:ext uri="{FF2B5EF4-FFF2-40B4-BE49-F238E27FC236}">
-                <a16:creationId xmlns:a16="http://schemas.microsoft.com/office/drawing/2014/main" id="{757C5F6A-D3A7-6A41-8BA4-364AD12D7151}"/>
-              </a:ext>
-            </a:extLst>
-          </p:cNvPr>
-          <p:cNvSpPr txBox="1"/>
-          <p:nvPr/>
-        </p:nvSpPr>
-        <p:spPr>
-          <a:xfrm>
-            <a:off x="8152491" y="1494782"/>
-            <a:ext cx="3466485" cy="369332"/>
-          </a:xfrm>
-          <a:prstGeom prst="rect">
-            <a:avLst/>
-          </a:prstGeom>
-          <a:noFill/>
-        </p:spPr>
-        <p:txBody>
-          <a:bodyPr wrap="square" rtlCol="0">
-            <a:spAutoFit/>
-          </a:bodyPr>
-          <a:lstStyle/>
-          <a:p>
-            <a:pPr algn="r"/>
-            <a:r>
-              <a:rPr kumimoji="1" lang="ko-KR" altLang="en-US" b="1">
-                <a:solidFill>
-                  <a:srgbClr val="0070C0"/>
-                </a:solidFill>
-              </a:rPr>
-              <a:t>실습 파일 </a:t>
-            </a:r>
-            <a:r>
-              <a:rPr kumimoji="1" lang="en-US" altLang="ko-KR" b="1">
-                <a:solidFill>
-                  <a:srgbClr val="0070C0"/>
-                </a:solidFill>
-              </a:rPr>
-              <a:t>:</a:t>
-            </a:r>
-            <a:r>
-              <a:rPr kumimoji="1" lang="ko-KR" altLang="en-US" b="1">
-                <a:solidFill>
-                  <a:srgbClr val="0070C0"/>
-                </a:solidFill>
-              </a:rPr>
-              <a:t> </a:t>
-            </a:r>
-            <a:r>
-              <a:rPr kumimoji="1" lang="en-US" altLang="ko-KR" b="1">
-                <a:solidFill>
-                  <a:srgbClr val="0070C0"/>
-                </a:solidFill>
-              </a:rPr>
-              <a:t>03\bargain.html</a:t>
-            </a:r>
-            <a:endParaRPr kumimoji="1" lang="ko-KR" altLang="en-US" b="1">
-              <a:solidFill>
-                <a:srgbClr val="0070C0"/>
-              </a:solidFill>
-            </a:endParaRPr>
-          </a:p>
-        </p:txBody>
-      </p:sp>
       <p:pic>
         <p:nvPicPr>
           <p:cNvPr id="8" name="그림 7">
@@ -22845,8 +22562,8 @@
         </p:blipFill>
         <p:spPr>
           <a:xfrm>
-            <a:off x="838200" y="1909496"/>
-            <a:ext cx="10087494" cy="4446854"/>
+            <a:off x="108856" y="1205573"/>
+            <a:ext cx="11883921" cy="5238770"/>
           </a:xfrm>
           <a:prstGeom prst="rect">
             <a:avLst/>
@@ -22889,6 +22606,43 @@
               </a:rPr>
               <a:t>할인 가격 계산 프로그램</a:t>
             </a:r>
+          </a:p>
+        </p:txBody>
+      </p:sp>
+      <p:sp>
+        <p:nvSpPr>
+          <p:cNvPr id="4" name="TextBox 3">
+            <a:extLst>
+              <a:ext uri="{FF2B5EF4-FFF2-40B4-BE49-F238E27FC236}">
+                <a16:creationId xmlns:a16="http://schemas.microsoft.com/office/drawing/2014/main" id="{0A760B41-B3BD-0F8C-A1F0-B6BC72E4CF8E}"/>
+              </a:ext>
+            </a:extLst>
+          </p:cNvPr>
+          <p:cNvSpPr txBox="1"/>
+          <p:nvPr/>
+        </p:nvSpPr>
+        <p:spPr>
+          <a:xfrm>
+            <a:off x="9664407" y="303697"/>
+            <a:ext cx="2220946" cy="369332"/>
+          </a:xfrm>
+          <a:prstGeom prst="rect">
+            <a:avLst/>
+          </a:prstGeom>
+          <a:noFill/>
+        </p:spPr>
+        <p:txBody>
+          <a:bodyPr wrap="square" rtlCol="0">
+            <a:spAutoFit/>
+          </a:bodyPr>
+          <a:lstStyle/>
+          <a:p>
+            <a:pPr algn="r"/>
+            <a:r>
+              <a:rPr lang="en-US" altLang="ko-KR" dirty="0"/>
+              <a:t>303-43.js</a:t>
+            </a:r>
+            <a:endParaRPr lang="ko-KR" altLang="en-US" dirty="0"/>
           </a:p>
         </p:txBody>
       </p:sp>
@@ -23347,8 +23101,8 @@
         </p:blipFill>
         <p:spPr>
           <a:xfrm>
-            <a:off x="1829334" y="1890905"/>
-            <a:ext cx="8533333" cy="3076190"/>
+            <a:off x="495834" y="1462524"/>
+            <a:ext cx="10909986" cy="3932952"/>
           </a:xfrm>
           <a:prstGeom prst="rect">
             <a:avLst/>
@@ -23426,38 +23180,6 @@
       </p:grpSpPr>
       <p:sp>
         <p:nvSpPr>
-          <p:cNvPr id="5" name="바닥글 개체 틀 4">
-            <a:extLst>
-              <a:ext uri="{FF2B5EF4-FFF2-40B4-BE49-F238E27FC236}">
-                <a16:creationId xmlns:a16="http://schemas.microsoft.com/office/drawing/2014/main" id="{521CC3B3-B1D2-D64F-BD06-599FE41C482E}"/>
-              </a:ext>
-            </a:extLst>
-          </p:cNvPr>
-          <p:cNvSpPr>
-            <a:spLocks noGrp="1"/>
-          </p:cNvSpPr>
-          <p:nvPr>
-            <p:ph type="ftr" sz="quarter" idx="11"/>
-          </p:nvPr>
-        </p:nvSpPr>
-        <p:spPr/>
-        <p:txBody>
-          <a:bodyPr/>
-          <a:lstStyle/>
-          <a:p>
-            <a:r>
-              <a:rPr kumimoji="1" lang="en-US" altLang="ko-KR"/>
-              <a:t>Do it! </a:t>
-            </a:r>
-            <a:r>
-              <a:rPr kumimoji="1" lang="ko-KR" altLang="en-US"/>
-              <a:t>자바스크립트 입문</a:t>
-            </a:r>
-          </a:p>
-        </p:txBody>
-      </p:sp>
-      <p:sp>
-        <p:nvSpPr>
           <p:cNvPr id="3" name="TextBox 2">
             <a:extLst>
               <a:ext uri="{FF2B5EF4-FFF2-40B4-BE49-F238E27FC236}">
@@ -23489,57 +23211,6 @@
               <a:t> </a:t>
             </a:r>
             <a:endParaRPr kumimoji="1" lang="ko-KR" altLang="en-US"/>
-          </a:p>
-        </p:txBody>
-      </p:sp>
-      <p:sp>
-        <p:nvSpPr>
-          <p:cNvPr id="8" name="TextBox 7">
-            <a:extLst>
-              <a:ext uri="{FF2B5EF4-FFF2-40B4-BE49-F238E27FC236}">
-                <a16:creationId xmlns:a16="http://schemas.microsoft.com/office/drawing/2014/main" id="{52C9860B-A277-3542-83AD-293E2EAA6B2C}"/>
-              </a:ext>
-            </a:extLst>
-          </p:cNvPr>
-          <p:cNvSpPr txBox="1"/>
-          <p:nvPr/>
-        </p:nvSpPr>
-        <p:spPr>
-          <a:xfrm>
-            <a:off x="1060056" y="1690688"/>
-            <a:ext cx="8741664" cy="918713"/>
-          </a:xfrm>
-          <a:prstGeom prst="rect">
-            <a:avLst/>
-          </a:prstGeom>
-          <a:noFill/>
-        </p:spPr>
-        <p:txBody>
-          <a:bodyPr wrap="square" rtlCol="0">
-            <a:spAutoFit/>
-          </a:bodyPr>
-          <a:lstStyle/>
-          <a:p>
-            <a:pPr>
-              <a:lnSpc>
-                <a:spcPct val="150000"/>
-              </a:lnSpc>
-            </a:pPr>
-            <a:r>
-              <a:rPr lang="ko-KR" altLang="en-US" sz="2000" b="1" dirty="0"/>
-              <a:t>산술 연산자</a:t>
-            </a:r>
-            <a:endParaRPr lang="en-US" altLang="ko-KR" sz="2000" b="1" dirty="0"/>
-          </a:p>
-          <a:p>
-            <a:pPr marL="285750" indent="-285750">
-              <a:lnSpc>
-                <a:spcPct val="150000"/>
-              </a:lnSpc>
-              <a:buFontTx/>
-              <a:buChar char="-"/>
-            </a:pPr>
-            <a:endParaRPr kumimoji="1" lang="ko-KR" altLang="en-US" dirty="0"/>
           </a:p>
         </p:txBody>
       </p:sp>
@@ -23728,8 +23399,8 @@
         </p:blipFill>
         <p:spPr>
           <a:xfrm>
-            <a:off x="944580" y="2358467"/>
-            <a:ext cx="7208820" cy="3428744"/>
+            <a:off x="240491" y="1906709"/>
+            <a:ext cx="8132682" cy="3868162"/>
           </a:xfrm>
           <a:prstGeom prst="rect">
             <a:avLst/>
@@ -23770,7 +23441,7 @@
                 <a:ea typeface="KoPubWorld돋움체 Bold" panose="00000800000000000000" pitchFamily="2" charset="-127"/>
                 <a:cs typeface="KoPubWorld돋움체 Bold" panose="00000800000000000000" pitchFamily="2" charset="-127"/>
               </a:rPr>
-              <a:t>연산자</a:t>
+              <a:t>산술 연산자</a:t>
             </a:r>
           </a:p>
         </p:txBody>
